--- a/slides/Teradata UDA Solutions.pptx
+++ b/slides/Teradata UDA Solutions.pptx
@@ -5,17 +5,19 @@
     <p:sldMasterId id="2147483648" r:id="rId1"/>
   </p:sldMasterIdLst>
   <p:notesMasterIdLst>
-    <p:notesMasterId r:id="rId7"/>
+    <p:notesMasterId r:id="rId9"/>
   </p:notesMasterIdLst>
   <p:handoutMasterIdLst>
-    <p:handoutMasterId r:id="rId8"/>
+    <p:handoutMasterId r:id="rId10"/>
   </p:handoutMasterIdLst>
   <p:sldIdLst>
     <p:sldId id="376" r:id="rId2"/>
     <p:sldId id="278" r:id="rId3"/>
     <p:sldId id="348" r:id="rId4"/>
-    <p:sldId id="364" r:id="rId5"/>
-    <p:sldId id="276" r:id="rId6"/>
+    <p:sldId id="377" r:id="rId5"/>
+    <p:sldId id="379" r:id="rId6"/>
+    <p:sldId id="364" r:id="rId7"/>
+    <p:sldId id="276" r:id="rId8"/>
   </p:sldIdLst>
   <p:sldSz cx="9144000" cy="5143500" type="screen16x9"/>
   <p:notesSz cx="6858000" cy="9144000"/>
@@ -3555,6 +3557,94 @@
           <a:bodyPr/>
           <a:lstStyle/>
           <a:p>
+            <a:r>
+              <a:rPr lang="en-US" dirty="0" smtClean="0"/>
+              <a:t>Alternate divider slide</a:t>
+            </a:r>
+            <a:endParaRPr lang="en-US" dirty="0"/>
+          </a:p>
+        </p:txBody>
+      </p:sp>
+      <p:sp>
+        <p:nvSpPr>
+          <p:cNvPr id="4" name="Footer Placeholder 3"/>
+          <p:cNvSpPr>
+            <a:spLocks noGrp="1"/>
+          </p:cNvSpPr>
+          <p:nvPr>
+            <p:ph type="ftr" sz="quarter" idx="10"/>
+          </p:nvPr>
+        </p:nvSpPr>
+        <p:spPr/>
+        <p:txBody>
+          <a:bodyPr/>
+          <a:lstStyle/>
+          <a:p>
+            <a:r>
+              <a:rPr lang="en-US" smtClean="0"/>
+              <a:t>© 2016 Teradata</a:t>
+            </a:r>
+            <a:endParaRPr lang="en-US"/>
+          </a:p>
+        </p:txBody>
+      </p:sp>
+    </p:spTree>
+    <p:extLst>
+      <p:ext uri="{BB962C8B-B14F-4D97-AF65-F5344CB8AC3E}">
+        <p14:creationId xmlns:p14="http://schemas.microsoft.com/office/powerpoint/2010/main" val="453139156"/>
+      </p:ext>
+    </p:extLst>
+  </p:cSld>
+  <p:clrMapOvr>
+    <a:masterClrMapping/>
+  </p:clrMapOvr>
+</p:notes>
+</file>
+
+<file path=ppt/notesSlides/notesSlide3.xml><?xml version="1.0" encoding="utf-8"?>
+<p:notes xmlns:a="http://schemas.openxmlformats.org/drawingml/2006/main" xmlns:r="http://schemas.openxmlformats.org/officeDocument/2006/relationships" xmlns:p="http://schemas.openxmlformats.org/presentationml/2006/main">
+  <p:cSld>
+    <p:spTree>
+      <p:nvGrpSpPr>
+        <p:cNvPr id="1" name=""/>
+        <p:cNvGrpSpPr/>
+        <p:nvPr/>
+      </p:nvGrpSpPr>
+      <p:grpSpPr>
+        <a:xfrm>
+          <a:off x="0" y="0"/>
+          <a:ext cx="0" cy="0"/>
+          <a:chOff x="0" y="0"/>
+          <a:chExt cx="0" cy="0"/>
+        </a:xfrm>
+      </p:grpSpPr>
+      <p:sp>
+        <p:nvSpPr>
+          <p:cNvPr id="2" name="Slide Image Placeholder 1"/>
+          <p:cNvSpPr>
+            <a:spLocks noGrp="1" noRot="1" noChangeAspect="1"/>
+          </p:cNvSpPr>
+          <p:nvPr>
+            <p:ph type="sldImg"/>
+          </p:nvPr>
+        </p:nvSpPr>
+        <p:spPr/>
+      </p:sp>
+      <p:sp>
+        <p:nvSpPr>
+          <p:cNvPr id="3" name="Notes Placeholder 2"/>
+          <p:cNvSpPr>
+            <a:spLocks noGrp="1"/>
+          </p:cNvSpPr>
+          <p:nvPr>
+            <p:ph type="body" idx="1"/>
+          </p:nvPr>
+        </p:nvSpPr>
+        <p:spPr/>
+        <p:txBody>
+          <a:bodyPr/>
+          <a:lstStyle/>
+          <a:p>
             <a:pPr marL="0" indent="0">
               <a:buNone/>
             </a:pPr>
@@ -3830,7 +3920,7 @@
 </p:notes>
 </file>
 
-<file path=ppt/notesSlides/notesSlide3.xml><?xml version="1.0" encoding="utf-8"?>
+<file path=ppt/notesSlides/notesSlide4.xml><?xml version="1.0" encoding="utf-8"?>
 <p:notes xmlns:a="http://schemas.openxmlformats.org/drawingml/2006/main" xmlns:r="http://schemas.openxmlformats.org/officeDocument/2006/relationships" xmlns:p="http://schemas.openxmlformats.org/presentationml/2006/main">
   <p:cSld>
     <p:spTree>
@@ -35135,30 +35225,50 @@
           <a:p>
             <a:pPr lvl="5"/>
             <a:r>
-              <a:rPr lang="en-US" dirty="0" smtClean="0"/>
-              <a:t>Fonts</a:t>
+              <a:rPr lang="zh-CN" altLang="en-US" dirty="0" smtClean="0"/>
+              <a:t>权威机构如是说</a:t>
             </a:r>
+            <a:endParaRPr lang="en-US" dirty="0" smtClean="0"/>
           </a:p>
           <a:p>
             <a:pPr lvl="3"/>
             <a:r>
               <a:rPr lang="en-US" dirty="0" smtClean="0"/>
-              <a:t>Standard layouts</a:t>
+              <a:t>Teradata UDA</a:t>
             </a:r>
+            <a:r>
+              <a:rPr lang="zh-CN" altLang="en-US" dirty="0" smtClean="0"/>
+              <a:t>解决方案介绍</a:t>
+            </a:r>
+            <a:endParaRPr lang="en-US" dirty="0" smtClean="0"/>
           </a:p>
           <a:p>
             <a:pPr lvl="3"/>
             <a:r>
               <a:rPr lang="en-US" dirty="0" smtClean="0"/>
-              <a:t>Optional layouts</a:t>
+              <a:t>Teradata UDA</a:t>
             </a:r>
+            <a:r>
+              <a:rPr lang="zh-CN" altLang="en-US" dirty="0" smtClean="0"/>
+              <a:t>客户实施案例</a:t>
+            </a:r>
+            <a:endParaRPr lang="en-US" dirty="0" smtClean="0"/>
           </a:p>
           <a:p>
             <a:pPr lvl="3"/>
             <a:r>
               <a:rPr lang="en-US" dirty="0" smtClean="0"/>
-              <a:t>Tables and charts</a:t>
+              <a:t>UDA</a:t>
             </a:r>
+            <a:r>
+              <a:rPr lang="zh-CN" altLang="en-US" dirty="0" smtClean="0"/>
+              <a:t> </a:t>
+            </a:r>
+            <a:r>
+              <a:rPr lang="en-US" altLang="zh-CN" dirty="0" smtClean="0"/>
+              <a:t>Demo</a:t>
+            </a:r>
+            <a:endParaRPr lang="en-US" dirty="0" smtClean="0"/>
           </a:p>
           <a:p>
             <a:endParaRPr lang="en-US" dirty="0"/>
@@ -35193,18 +35303,36 @@
           </a:p>
         </p:txBody>
       </p:sp>
-      <p:sp>
-        <p:nvSpPr>
-          <p:cNvPr id="13" name="Picture Placeholder 12"/>
-          <p:cNvSpPr>
-            <a:spLocks noGrp="1"/>
-          </p:cNvSpPr>
+      <p:pic>
+        <p:nvPicPr>
+          <p:cNvPr id="3" name="图片占位符 2"/>
+          <p:cNvPicPr>
+            <a:picLocks noGrp="1" noChangeAspect="1"/>
+          </p:cNvPicPr>
           <p:nvPr>
             <p:ph type="pic" sz="quarter" idx="13"/>
           </p:nvPr>
-        </p:nvSpPr>
-        <p:spPr/>
-      </p:sp>
+        </p:nvPicPr>
+        <p:blipFill>
+          <a:blip r:embed="rId2">
+            <a:extLst>
+              <a:ext uri="{28A0092B-C50C-407E-A947-70E740481C1C}">
+                <a14:useLocalDpi xmlns:a14="http://schemas.microsoft.com/office/drawing/2010/main" val="0"/>
+              </a:ext>
+            </a:extLst>
+          </a:blip>
+          <a:srcRect t="10566" b="10566"/>
+          <a:stretch>
+            <a:fillRect/>
+          </a:stretch>
+        </p:blipFill>
+        <p:spPr>
+          <a:xfrm>
+            <a:off x="256263" y="334740"/>
+            <a:ext cx="3526597" cy="4607092"/>
+          </a:xfrm>
+        </p:spPr>
+      </p:pic>
       <p:sp>
         <p:nvSpPr>
           <p:cNvPr id="6" name="Date Placeholder 5"/>
@@ -35329,7 +35457,11 @@
           <a:p>
             <a:r>
               <a:rPr lang="en-US" dirty="0" smtClean="0"/>
-              <a:t>Divider/Segue Slide</a:t>
+              <a:t>Teradata UDA</a:t>
+            </a:r>
+            <a:r>
+              <a:rPr lang="zh-CN" altLang="en-US" dirty="0" smtClean="0"/>
+              <a:t>解决方案介绍</a:t>
             </a:r>
             <a:endParaRPr lang="en-US" dirty="0"/>
           </a:p>
@@ -35382,6 +35514,194 @@
 </file>
 
 <file path=ppt/slides/slide4.xml><?xml version="1.0" encoding="utf-8"?>
+<p:sld xmlns:a="http://schemas.openxmlformats.org/drawingml/2006/main" xmlns:r="http://schemas.openxmlformats.org/officeDocument/2006/relationships" xmlns:p="http://schemas.openxmlformats.org/presentationml/2006/main">
+  <p:cSld>
+    <p:spTree>
+      <p:nvGrpSpPr>
+        <p:cNvPr id="1" name=""/>
+        <p:cNvGrpSpPr/>
+        <p:nvPr/>
+      </p:nvGrpSpPr>
+      <p:grpSpPr>
+        <a:xfrm>
+          <a:off x="0" y="0"/>
+          <a:ext cx="0" cy="0"/>
+          <a:chOff x="0" y="0"/>
+          <a:chExt cx="0" cy="0"/>
+        </a:xfrm>
+      </p:grpSpPr>
+      <p:sp>
+        <p:nvSpPr>
+          <p:cNvPr id="2" name="Text Placeholder 1"/>
+          <p:cNvSpPr>
+            <a:spLocks noGrp="1"/>
+          </p:cNvSpPr>
+          <p:nvPr>
+            <p:ph type="body" sz="quarter" idx="11"/>
+          </p:nvPr>
+        </p:nvSpPr>
+        <p:spPr/>
+        <p:txBody>
+          <a:bodyPr/>
+          <a:lstStyle/>
+          <a:p>
+            <a:r>
+              <a:rPr lang="en-US" dirty="0" smtClean="0"/>
+              <a:t>Teradata UDA</a:t>
+            </a:r>
+            <a:r>
+              <a:rPr lang="zh-CN" altLang="en-US" dirty="0" smtClean="0"/>
+              <a:t>客户案例</a:t>
+            </a:r>
+            <a:endParaRPr lang="en-US" dirty="0"/>
+          </a:p>
+        </p:txBody>
+      </p:sp>
+      <p:sp>
+        <p:nvSpPr>
+          <p:cNvPr id="4" name="Date Placeholder 3"/>
+          <p:cNvSpPr>
+            <a:spLocks noGrp="1"/>
+          </p:cNvSpPr>
+          <p:nvPr>
+            <p:ph type="dt" sz="half" idx="12"/>
+          </p:nvPr>
+        </p:nvSpPr>
+        <p:spPr/>
+        <p:txBody>
+          <a:bodyPr/>
+          <a:lstStyle/>
+          <a:p>
+            <a:r>
+              <a:rPr lang="en-US" smtClean="0"/>
+              <a:t>© 2016 Teradata</a:t>
+            </a:r>
+            <a:endParaRPr lang="en-US" dirty="0" smtClean="0"/>
+          </a:p>
+        </p:txBody>
+      </p:sp>
+    </p:spTree>
+    <p:extLst>
+      <p:ext uri="{BB962C8B-B14F-4D97-AF65-F5344CB8AC3E}">
+        <p14:creationId xmlns:p14="http://schemas.microsoft.com/office/powerpoint/2010/main" val="1059571603"/>
+      </p:ext>
+    </p:extLst>
+  </p:cSld>
+  <p:clrMapOvr>
+    <a:masterClrMapping/>
+  </p:clrMapOvr>
+  <p:transition spd="med">
+    <p:fade/>
+  </p:transition>
+  <p:timing>
+    <p:tnLst>
+      <p:par>
+        <p:cTn id="1" dur="indefinite" restart="never" nodeType="tmRoot"/>
+      </p:par>
+    </p:tnLst>
+  </p:timing>
+</p:sld>
+</file>
+
+<file path=ppt/slides/slide5.xml><?xml version="1.0" encoding="utf-8"?>
+<p:sld xmlns:a="http://schemas.openxmlformats.org/drawingml/2006/main" xmlns:r="http://schemas.openxmlformats.org/officeDocument/2006/relationships" xmlns:p="http://schemas.openxmlformats.org/presentationml/2006/main">
+  <p:cSld>
+    <p:spTree>
+      <p:nvGrpSpPr>
+        <p:cNvPr id="1" name=""/>
+        <p:cNvGrpSpPr/>
+        <p:nvPr/>
+      </p:nvGrpSpPr>
+      <p:grpSpPr>
+        <a:xfrm>
+          <a:off x="0" y="0"/>
+          <a:ext cx="0" cy="0"/>
+          <a:chOff x="0" y="0"/>
+          <a:chExt cx="0" cy="0"/>
+        </a:xfrm>
+      </p:grpSpPr>
+      <p:sp>
+        <p:nvSpPr>
+          <p:cNvPr id="4" name="Date Placeholder 3"/>
+          <p:cNvSpPr>
+            <a:spLocks noGrp="1"/>
+          </p:cNvSpPr>
+          <p:nvPr>
+            <p:ph type="dt" sz="half" idx="12"/>
+          </p:nvPr>
+        </p:nvSpPr>
+        <p:spPr/>
+        <p:txBody>
+          <a:bodyPr/>
+          <a:lstStyle/>
+          <a:p>
+            <a:r>
+              <a:rPr lang="en-US" smtClean="0"/>
+              <a:t>© 2016 Teradata</a:t>
+            </a:r>
+            <a:endParaRPr lang="en-US" dirty="0" smtClean="0"/>
+          </a:p>
+        </p:txBody>
+      </p:sp>
+      <p:sp>
+        <p:nvSpPr>
+          <p:cNvPr id="2" name="Text Placeholder 1"/>
+          <p:cNvSpPr>
+            <a:spLocks noGrp="1"/>
+          </p:cNvSpPr>
+          <p:nvPr>
+            <p:ph type="body" sz="quarter" idx="11"/>
+          </p:nvPr>
+        </p:nvSpPr>
+        <p:spPr/>
+        <p:txBody>
+          <a:bodyPr/>
+          <a:lstStyle/>
+          <a:p>
+            <a:r>
+              <a:rPr lang="en-US" dirty="0" smtClean="0"/>
+              <a:t>UDA</a:t>
+            </a:r>
+            <a:r>
+              <a:rPr lang="zh-CN" altLang="en-US" dirty="0" smtClean="0"/>
+              <a:t> </a:t>
+            </a:r>
+            <a:r>
+              <a:rPr lang="en-US" altLang="zh-CN" dirty="0" smtClean="0"/>
+              <a:t>Demo</a:t>
+            </a:r>
+            <a:r>
+              <a:rPr lang="zh-CN" altLang="en-US" dirty="0" smtClean="0"/>
+              <a:t>环境演示</a:t>
+            </a:r>
+            <a:endParaRPr lang="en-US" dirty="0"/>
+          </a:p>
+        </p:txBody>
+      </p:sp>
+    </p:spTree>
+    <p:extLst>
+      <p:ext uri="{BB962C8B-B14F-4D97-AF65-F5344CB8AC3E}">
+        <p14:creationId xmlns:p14="http://schemas.microsoft.com/office/powerpoint/2010/main" val="1746686178"/>
+      </p:ext>
+    </p:extLst>
+  </p:cSld>
+  <p:clrMapOvr>
+    <a:masterClrMapping/>
+  </p:clrMapOvr>
+  <p:transition spd="med">
+    <p:fade/>
+  </p:transition>
+  <p:timing>
+    <p:tnLst>
+      <p:par>
+        <p:cTn id="1" dur="indefinite" restart="never" nodeType="tmRoot"/>
+      </p:par>
+    </p:tnLst>
+  </p:timing>
+</p:sld>
+</file>
+
+<file path=ppt/slides/slide6.xml><?xml version="1.0" encoding="utf-8"?>
 <p:sld xmlns:a="http://schemas.openxmlformats.org/drawingml/2006/main" xmlns:r="http://schemas.openxmlformats.org/officeDocument/2006/relationships" xmlns:p="http://schemas.openxmlformats.org/presentationml/2006/main">
   <p:cSld>
     <p:spTree>
@@ -35799,7 +36119,7 @@
 </p:sld>
 </file>
 
-<file path=ppt/slides/slide5.xml><?xml version="1.0" encoding="utf-8"?>
+<file path=ppt/slides/slide7.xml><?xml version="1.0" encoding="utf-8"?>
 <p:sld xmlns:a="http://schemas.openxmlformats.org/drawingml/2006/main" xmlns:r="http://schemas.openxmlformats.org/officeDocument/2006/relationships" xmlns:p="http://schemas.openxmlformats.org/presentationml/2006/main">
   <p:cSld>
     <p:spTree>
